--- a/DInoGame.pptx
+++ b/DInoGame.pptx
@@ -3799,7 +3799,7 @@
         <p:spPr>
           <a:xfrm>
             <a:off x="4192270" y="5021580"/>
-            <a:ext cx="3840480" cy="922020"/>
+            <a:ext cx="3840480" cy="645160"/>
           </a:xfrm>
           <a:prstGeom prst="rect">
             <a:avLst/>
@@ -3855,34 +3855,6 @@
                 <a:cs typeface="JetBrains Mono NL Medium" panose="02000009000000000000" charset="0"/>
               </a:rPr>
               <a:t>running, destroying.</a:t>
-            </a:r>
-            <a:endParaRPr lang="en-US" sz="1200">
-              <a:solidFill>
-                <a:schemeClr val="bg1">
-                  <a:lumMod val="75000"/>
-                </a:schemeClr>
-              </a:solidFill>
-              <a:latin typeface="JetBrains Mono NL Medium" panose="02000009000000000000" charset="0"/>
-              <a:cs typeface="JetBrains Mono NL Medium" panose="02000009000000000000" charset="0"/>
-            </a:endParaRPr>
-          </a:p>
-          <a:p>
-            <a:pPr algn="ctr">
-              <a:lnSpc>
-                <a:spcPct val="150000"/>
-              </a:lnSpc>
-            </a:pPr>
-            <a:r>
-              <a:rPr lang="en-US" sz="1200">
-                <a:solidFill>
-                  <a:schemeClr val="bg1">
-                    <a:lumMod val="75000"/>
-                  </a:schemeClr>
-                </a:solidFill>
-                <a:latin typeface="JetBrains Mono NL Medium" panose="02000009000000000000" charset="0"/>
-                <a:cs typeface="JetBrains Mono NL Medium" panose="02000009000000000000" charset="0"/>
-              </a:rPr>
-              <a:t>- dino</a:t>
             </a:r>
             <a:endParaRPr lang="en-US" sz="1200">
               <a:solidFill>
@@ -4646,31 +4618,6 @@
           </a:p>
         </p:txBody>
       </p:sp>
-      <p:pic>
-        <p:nvPicPr>
-          <p:cNvPr id="15" name="Picture 14" descr="ss1"/>
-          <p:cNvPicPr>
-            <a:picLocks noChangeAspect="1"/>
-          </p:cNvPicPr>
-          <p:nvPr/>
-        </p:nvPicPr>
-        <p:blipFill>
-          <a:blip r:embed="rId1"/>
-          <a:srcRect l="18829" t="51290" r="74201" b="37182"/>
-          <a:stretch>
-            <a:fillRect/>
-          </a:stretch>
-        </p:blipFill>
-        <p:spPr>
-          <a:xfrm>
-            <a:off x="2893695" y="3084830"/>
-            <a:ext cx="1254760" cy="1168400"/>
-          </a:xfrm>
-          <a:prstGeom prst="rect">
-            <a:avLst/>
-          </a:prstGeom>
-        </p:spPr>
-      </p:pic>
       <p:sp>
         <p:nvSpPr>
           <p:cNvPr id="2" name="Text Box 1"/>
@@ -4897,59 +4844,215 @@
           </a:p>
         </p:txBody>
       </p:sp>
-      <p:sp>
-        <p:nvSpPr>
-          <p:cNvPr id="3" name="Rounded Rectangle 2"/>
-          <p:cNvSpPr/>
+      <p:grpSp>
+        <p:nvGrpSpPr>
+          <p:cNvPr id="4" name="Group 3"/>
+          <p:cNvGrpSpPr/>
           <p:nvPr/>
-        </p:nvSpPr>
-        <p:spPr>
+        </p:nvGrpSpPr>
+        <p:grpSpPr>
           <a:xfrm>
-            <a:off x="2407285" y="2830830"/>
-            <a:ext cx="2226945" cy="1962785"/>
+            <a:off x="4982210" y="2830830"/>
+            <a:ext cx="2226310" cy="1962150"/>
+            <a:chOff x="7846" y="4458"/>
+            <a:chExt cx="3506" cy="3090"/>
           </a:xfrm>
-          <a:prstGeom prst="roundRect">
-            <a:avLst/>
-          </a:prstGeom>
-          <a:noFill/>
-          <a:ln w="12700" cmpd="sng">
-            <a:solidFill>
-              <a:schemeClr val="bg1">
-                <a:lumMod val="85000"/>
+        </p:grpSpPr>
+        <p:pic>
+          <p:nvPicPr>
+            <p:cNvPr id="15" name="Picture 14" descr="ss1"/>
+            <p:cNvPicPr>
+              <a:picLocks noChangeAspect="1"/>
+            </p:cNvPicPr>
+            <p:nvPr/>
+          </p:nvPicPr>
+          <p:blipFill>
+            <a:blip r:embed="rId1"/>
+            <a:srcRect l="18829" t="51290" r="74201" b="37182"/>
+            <a:stretch>
+              <a:fillRect/>
+            </a:stretch>
+          </p:blipFill>
+          <p:spPr>
+            <a:xfrm>
+              <a:off x="8612" y="4858"/>
+              <a:ext cx="1976" cy="1840"/>
+            </a:xfrm>
+            <a:prstGeom prst="rect">
+              <a:avLst/>
+            </a:prstGeom>
+          </p:spPr>
+        </p:pic>
+        <p:sp>
+          <p:nvSpPr>
+            <p:cNvPr id="3" name="Rounded Rectangle 2"/>
+            <p:cNvSpPr/>
+            <p:nvPr/>
+          </p:nvSpPr>
+          <p:spPr>
+            <a:xfrm>
+              <a:off x="7846" y="4458"/>
+              <a:ext cx="3507" cy="3091"/>
+            </a:xfrm>
+            <a:prstGeom prst="roundRect">
+              <a:avLst/>
+            </a:prstGeom>
+            <a:noFill/>
+            <a:ln w="12700" cmpd="sng">
+              <a:solidFill>
+                <a:schemeClr val="bg1">
+                  <a:lumMod val="85000"/>
+                </a:schemeClr>
+              </a:solidFill>
+              <a:prstDash val="lgDash"/>
+            </a:ln>
+          </p:spPr>
+          <p:style>
+            <a:lnRef idx="2">
+              <a:schemeClr val="accent1">
+                <a:shade val="50000"/>
               </a:schemeClr>
-            </a:solidFill>
-            <a:prstDash val="lgDash"/>
-          </a:ln>
-        </p:spPr>
-        <p:style>
-          <a:lnRef idx="2">
-            <a:schemeClr val="accent1">
-              <a:shade val="50000"/>
-            </a:schemeClr>
-          </a:lnRef>
-          <a:fillRef idx="1">
-            <a:schemeClr val="accent1"/>
-          </a:fillRef>
-          <a:effectRef idx="0">
-            <a:schemeClr val="accent1"/>
-          </a:effectRef>
-          <a:fontRef idx="minor">
-            <a:schemeClr val="lt1"/>
-          </a:fontRef>
-        </p:style>
-        <p:txBody>
-          <a:bodyPr rtlCol="0" anchor="ctr"/>
-          <a:p>
-            <a:pPr algn="ctr"/>
-            <a:endParaRPr lang="en-US"/>
-          </a:p>
-        </p:txBody>
-      </p:sp>
+            </a:lnRef>
+            <a:fillRef idx="1">
+              <a:schemeClr val="accent1"/>
+            </a:fillRef>
+            <a:effectRef idx="0">
+              <a:schemeClr val="accent1"/>
+            </a:effectRef>
+            <a:fontRef idx="minor">
+              <a:schemeClr val="lt1"/>
+            </a:fontRef>
+          </p:style>
+          <p:txBody>
+            <a:bodyPr rtlCol="0" anchor="ctr"/>
+            <a:p>
+              <a:pPr algn="ctr"/>
+              <a:endParaRPr lang="en-US"/>
+            </a:p>
+          </p:txBody>
+        </p:sp>
+      </p:grpSp>
     </p:spTree>
   </p:cSld>
   <p:clrMapOvr>
     <a:masterClrMapping/>
   </p:clrMapOvr>
+  <p:timing>
+    <p:tnLst>
+      <p:par>
+        <p:cTn id="1" dur="indefinite" restart="never" nodeType="tmRoot">
+          <p:childTnLst>
+            <p:seq concurrent="1" nextAc="seek">
+              <p:cTn id="2" dur="indefinite" nodeType="mainSeq">
+                <p:childTnLst>
+                  <p:par>
+                    <p:cTn id="3" fill="hold">
+                      <p:stCondLst>
+                        <p:cond delay="indefinite"/>
+                      </p:stCondLst>
+                      <p:childTnLst>
+                        <p:par>
+                          <p:cTn id="4" fill="hold">
+                            <p:stCondLst>
+                              <p:cond delay="0"/>
+                            </p:stCondLst>
+                            <p:childTnLst>
+                              <p:par>
+                                <p:cTn id="5" presetID="0" presetClass="path" presetSubtype="0" accel="50000" decel="50000" fill="hold" nodeType="clickEffect">
+                                  <p:stCondLst>
+                                    <p:cond delay="0"/>
+                                  </p:stCondLst>
+                                  <p:childTnLst>
+                                    <p:animMotion origin="layout" path="M 0 0 L -0.224948 0 " pathEditMode="relative" ptsTypes="">
+                                      <p:cBhvr>
+                                        <p:cTn id="6" dur="1000" fill="hold"/>
+                                        <p:tgtEl>
+                                          <p:spTgt spid="4"/>
+                                        </p:tgtEl>
+                                        <p:attrNameLst>
+                                          <p:attrName>ppt_x</p:attrName>
+                                          <p:attrName>ppt_y</p:attrName>
+                                        </p:attrNameLst>
+                                      </p:cBhvr>
+                                    </p:animMotion>
+                                  </p:childTnLst>
+                                </p:cTn>
+                              </p:par>
+                            </p:childTnLst>
+                          </p:cTn>
+                        </p:par>
+                        <p:par>
+                          <p:cTn id="7" fill="hold">
+                            <p:stCondLst>
+                              <p:cond delay="1000"/>
+                            </p:stCondLst>
+                            <p:childTnLst>
+                              <p:par>
+                                <p:cTn id="8" presetID="10" presetClass="entr" presetSubtype="0" fill="hold" grpId="0" nodeType="afterEffect">
+                                  <p:stCondLst>
+                                    <p:cond delay="0"/>
+                                  </p:stCondLst>
+                                  <p:childTnLst>
+                                    <p:set>
+                                      <p:cBhvr>
+                                        <p:cTn id="9" dur="1" fill="hold">
+                                          <p:stCondLst>
+                                            <p:cond delay="0"/>
+                                          </p:stCondLst>
+                                        </p:cTn>
+                                        <p:tgtEl>
+                                          <p:spTgt spid="2"/>
+                                        </p:tgtEl>
+                                        <p:attrNameLst>
+                                          <p:attrName>style.visibility</p:attrName>
+                                        </p:attrNameLst>
+                                      </p:cBhvr>
+                                      <p:to>
+                                        <p:strVal val="visible"/>
+                                      </p:to>
+                                    </p:set>
+                                    <p:animEffect transition="in" filter="fade">
+                                      <p:cBhvr>
+                                        <p:cTn id="10" dur="500"/>
+                                        <p:tgtEl>
+                                          <p:spTgt spid="2"/>
+                                        </p:tgtEl>
+                                      </p:cBhvr>
+                                    </p:animEffect>
+                                  </p:childTnLst>
+                                </p:cTn>
+                              </p:par>
+                            </p:childTnLst>
+                          </p:cTn>
+                        </p:par>
+                      </p:childTnLst>
+                    </p:cTn>
+                  </p:par>
+                </p:childTnLst>
+              </p:cTn>
+              <p:prevCondLst>
+                <p:cond evt="onPrev" delay="0">
+                  <p:tgtEl>
+                    <p:sldTgt/>
+                  </p:tgtEl>
+                </p:cond>
+              </p:prevCondLst>
+              <p:nextCondLst>
+                <p:cond evt="onNext" delay="0">
+                  <p:tgtEl>
+                    <p:sldTgt/>
+                  </p:tgtEl>
+                </p:cond>
+              </p:nextCondLst>
+            </p:seq>
+          </p:childTnLst>
+        </p:cTn>
+      </p:par>
+    </p:tnLst>
+    <p:bldLst>
+      <p:bldP spid="2" grpId="0"/>
+    </p:bldLst>
+  </p:timing>
 </p:sld>
 </file>
 
@@ -6819,7 +6922,7 @@
         <p:spPr>
           <a:xfrm>
             <a:off x="0" y="0"/>
-            <a:ext cx="12198350" cy="6858000"/>
+            <a:ext cx="12217400" cy="6858000"/>
           </a:xfrm>
           <a:prstGeom prst="rect">
             <a:avLst/>
@@ -6900,140 +7003,42 @@
           </a:p>
         </p:txBody>
       </p:sp>
-      <p:sp>
-        <p:nvSpPr>
-          <p:cNvPr id="3" name="Rounded Rectangle 2"/>
-          <p:cNvSpPr/>
-          <p:nvPr/>
-        </p:nvSpPr>
-        <p:spPr>
-          <a:xfrm>
-            <a:off x="2427605" y="2945765"/>
-            <a:ext cx="2587625" cy="1962785"/>
-          </a:xfrm>
-          <a:prstGeom prst="roundRect">
-            <a:avLst/>
-          </a:prstGeom>
-          <a:noFill/>
-          <a:ln w="12700" cmpd="sng">
-            <a:solidFill>
-              <a:schemeClr val="bg1">
-                <a:lumMod val="85000"/>
-              </a:schemeClr>
-            </a:solidFill>
-            <a:prstDash val="lgDash"/>
-          </a:ln>
-        </p:spPr>
-        <p:style>
-          <a:lnRef idx="2">
-            <a:schemeClr val="accent1">
-              <a:shade val="50000"/>
-            </a:schemeClr>
-          </a:lnRef>
-          <a:fillRef idx="1">
-            <a:schemeClr val="accent1"/>
-          </a:fillRef>
-          <a:effectRef idx="0">
-            <a:schemeClr val="accent1"/>
-          </a:effectRef>
-          <a:fontRef idx="minor">
-            <a:schemeClr val="lt1"/>
-          </a:fontRef>
-        </p:style>
-        <p:txBody>
-          <a:bodyPr rtlCol="0" anchor="ctr"/>
-          <a:p>
-            <a:pPr algn="ctr"/>
-            <a:endParaRPr lang="en-US"/>
-          </a:p>
-        </p:txBody>
-      </p:sp>
       <p:grpSp>
         <p:nvGrpSpPr>
-          <p:cNvPr id="8" name="Group 7"/>
+          <p:cNvPr id="2" name="Group 1"/>
           <p:cNvGrpSpPr/>
           <p:nvPr/>
         </p:nvGrpSpPr>
         <p:grpSpPr>
           <a:xfrm>
-            <a:off x="2834005" y="3177540"/>
-            <a:ext cx="1609725" cy="1268095"/>
-            <a:chOff x="4651" y="5011"/>
-            <a:chExt cx="2535" cy="1997"/>
+            <a:off x="4596130" y="2915285"/>
+            <a:ext cx="2587625" cy="1962785"/>
+            <a:chOff x="3823" y="4639"/>
+            <a:chExt cx="4075" cy="3091"/>
           </a:xfrm>
         </p:grpSpPr>
-        <p:pic>
-          <p:nvPicPr>
-            <p:cNvPr id="15" name="Picture 14" descr="ss1"/>
-            <p:cNvPicPr>
-              <a:picLocks noChangeAspect="1"/>
-            </p:cNvPicPr>
-            <p:nvPr/>
-          </p:nvPicPr>
-          <p:blipFill>
-            <a:blip r:embed="rId1"/>
-            <a:srcRect l="18829" t="51290" r="74201" b="37182"/>
-            <a:stretch>
-              <a:fillRect/>
-            </a:stretch>
-          </p:blipFill>
-          <p:spPr>
-            <a:xfrm>
-              <a:off x="4651" y="5011"/>
-              <a:ext cx="1976" cy="1840"/>
-            </a:xfrm>
-            <a:prstGeom prst="rect">
-              <a:avLst/>
-            </a:prstGeom>
-          </p:spPr>
-        </p:pic>
-        <p:pic>
-          <p:nvPicPr>
-            <p:cNvPr id="11" name="Picture 10" descr="ss2"/>
-            <p:cNvPicPr>
-              <a:picLocks noChangeAspect="1"/>
-            </p:cNvPicPr>
-            <p:nvPr/>
-          </p:nvPicPr>
-          <p:blipFill>
-            <a:blip r:embed="rId2"/>
-            <a:srcRect l="41812" t="42645" r="56132" b="45791"/>
-            <a:stretch>
-              <a:fillRect/>
-            </a:stretch>
-          </p:blipFill>
-          <p:spPr>
-            <a:xfrm>
-              <a:off x="6627" y="5243"/>
-              <a:ext cx="558" cy="1765"/>
-            </a:xfrm>
-            <a:prstGeom prst="rect">
-              <a:avLst/>
-            </a:prstGeom>
-          </p:spPr>
-        </p:pic>
         <p:sp>
           <p:nvSpPr>
-            <p:cNvPr id="7" name="Rectangles 6"/>
+            <p:cNvPr id="3" name="Rounded Rectangle 2"/>
             <p:cNvSpPr/>
             <p:nvPr/>
           </p:nvSpPr>
           <p:spPr>
             <a:xfrm>
-              <a:off x="6626" y="5605"/>
-              <a:ext cx="560" cy="1067"/>
+              <a:off x="3823" y="4639"/>
+              <a:ext cx="4075" cy="3091"/>
             </a:xfrm>
-            <a:prstGeom prst="rect">
+            <a:prstGeom prst="roundRect">
               <a:avLst/>
             </a:prstGeom>
-            <a:solidFill>
-              <a:schemeClr val="bg1">
-                <a:lumMod val="95000"/>
-                <a:alpha val="25000"/>
-              </a:schemeClr>
-            </a:solidFill>
-            <a:ln>
-              <a:noFill/>
+            <a:noFill/>
+            <a:ln w="12700" cmpd="sng">
+              <a:solidFill>
+                <a:schemeClr val="bg1">
+                  <a:lumMod val="85000"/>
+                </a:schemeClr>
+              </a:solidFill>
+              <a:prstDash val="lgDash"/>
             </a:ln>
           </p:spPr>
           <p:style>
@@ -7060,16 +7065,443 @@
             </a:p>
           </p:txBody>
         </p:sp>
+        <p:grpSp>
+          <p:nvGrpSpPr>
+            <p:cNvPr id="8" name="Group 7"/>
+            <p:cNvGrpSpPr/>
+            <p:nvPr/>
+          </p:nvGrpSpPr>
+          <p:grpSpPr>
+            <a:xfrm>
+              <a:off x="4463" y="5004"/>
+              <a:ext cx="2535" cy="1997"/>
+              <a:chOff x="4651" y="5011"/>
+              <a:chExt cx="2535" cy="1997"/>
+            </a:xfrm>
+          </p:grpSpPr>
+          <p:pic>
+            <p:nvPicPr>
+              <p:cNvPr id="15" name="Picture 14" descr="ss1"/>
+              <p:cNvPicPr>
+                <a:picLocks noChangeAspect="1"/>
+              </p:cNvPicPr>
+              <p:nvPr/>
+            </p:nvPicPr>
+            <p:blipFill>
+              <a:blip r:embed="rId1"/>
+              <a:srcRect l="18829" t="51290" r="74201" b="37182"/>
+              <a:stretch>
+                <a:fillRect/>
+              </a:stretch>
+            </p:blipFill>
+            <p:spPr>
+              <a:xfrm>
+                <a:off x="4651" y="5011"/>
+                <a:ext cx="1976" cy="1840"/>
+              </a:xfrm>
+              <a:prstGeom prst="rect">
+                <a:avLst/>
+              </a:prstGeom>
+            </p:spPr>
+          </p:pic>
+          <p:pic>
+            <p:nvPicPr>
+              <p:cNvPr id="11" name="Picture 10" descr="ss2"/>
+              <p:cNvPicPr>
+                <a:picLocks noChangeAspect="1"/>
+              </p:cNvPicPr>
+              <p:nvPr/>
+            </p:nvPicPr>
+            <p:blipFill>
+              <a:blip r:embed="rId2"/>
+              <a:srcRect l="41812" t="42645" r="56132" b="45791"/>
+              <a:stretch>
+                <a:fillRect/>
+              </a:stretch>
+            </p:blipFill>
+            <p:spPr>
+              <a:xfrm>
+                <a:off x="6627" y="5243"/>
+                <a:ext cx="558" cy="1765"/>
+              </a:xfrm>
+              <a:prstGeom prst="rect">
+                <a:avLst/>
+              </a:prstGeom>
+            </p:spPr>
+          </p:pic>
+          <p:sp>
+            <p:nvSpPr>
+              <p:cNvPr id="7" name="Rectangles 6"/>
+              <p:cNvSpPr/>
+              <p:nvPr/>
+            </p:nvSpPr>
+            <p:spPr>
+              <a:xfrm>
+                <a:off x="6626" y="5605"/>
+                <a:ext cx="560" cy="1067"/>
+              </a:xfrm>
+              <a:prstGeom prst="rect">
+                <a:avLst/>
+              </a:prstGeom>
+              <a:solidFill>
+                <a:schemeClr val="bg1">
+                  <a:lumMod val="95000"/>
+                  <a:alpha val="25000"/>
+                </a:schemeClr>
+              </a:solidFill>
+              <a:ln>
+                <a:noFill/>
+              </a:ln>
+            </p:spPr>
+            <p:style>
+              <a:lnRef idx="2">
+                <a:schemeClr val="accent1">
+                  <a:shade val="50000"/>
+                </a:schemeClr>
+              </a:lnRef>
+              <a:fillRef idx="1">
+                <a:schemeClr val="accent1"/>
+              </a:fillRef>
+              <a:effectRef idx="0">
+                <a:schemeClr val="accent1"/>
+              </a:effectRef>
+              <a:fontRef idx="minor">
+                <a:schemeClr val="lt1"/>
+              </a:fontRef>
+            </p:style>
+            <p:txBody>
+              <a:bodyPr rtlCol="0" anchor="ctr"/>
+              <a:p>
+                <a:pPr algn="ctr"/>
+                <a:endParaRPr lang="en-US"/>
+              </a:p>
+            </p:txBody>
+          </p:sp>
+        </p:grpSp>
       </p:grpSp>
       <p:cxnSp>
         <p:nvCxnSpPr>
-          <p:cNvPr id="9" name="Straight Connector 8"/>
+          <p:cNvPr id="12" name="Straight Connector 11"/>
           <p:cNvCxnSpPr/>
           <p:nvPr/>
         </p:nvCxnSpPr>
         <p:spPr>
           <a:xfrm>
-            <a:off x="3753485" y="2498090"/>
+            <a:off x="5659755" y="4201795"/>
+            <a:ext cx="98425" cy="1077595"/>
+          </a:xfrm>
+          <a:prstGeom prst="line">
+            <a:avLst/>
+          </a:prstGeom>
+          <a:ln w="12700" cmpd="sng">
+            <a:solidFill>
+              <a:schemeClr val="bg1"/>
+            </a:solidFill>
+            <a:prstDash val="solid"/>
+          </a:ln>
+        </p:spPr>
+        <p:style>
+          <a:lnRef idx="1">
+            <a:schemeClr val="accent1"/>
+          </a:lnRef>
+          <a:fillRef idx="0">
+            <a:schemeClr val="accent1"/>
+          </a:fillRef>
+          <a:effectRef idx="0">
+            <a:schemeClr val="accent1"/>
+          </a:effectRef>
+          <a:fontRef idx="minor">
+            <a:schemeClr val="tx1"/>
+          </a:fontRef>
+        </p:style>
+      </p:cxnSp>
+      <p:sp>
+        <p:nvSpPr>
+          <p:cNvPr id="13" name="Text Box 12"/>
+          <p:cNvSpPr txBox="1"/>
+          <p:nvPr/>
+        </p:nvSpPr>
+        <p:spPr>
+          <a:xfrm>
+            <a:off x="4614545" y="2085975"/>
+            <a:ext cx="2125980" cy="321945"/>
+          </a:xfrm>
+          <a:prstGeom prst="rect">
+            <a:avLst/>
+          </a:prstGeom>
+          <a:noFill/>
+        </p:spPr>
+        <p:txBody>
+          <a:bodyPr wrap="none" rtlCol="0">
+            <a:spAutoFit/>
+          </a:bodyPr>
+          <a:p>
+            <a:pPr algn="l">
+              <a:lnSpc>
+                <a:spcPct val="100000"/>
+              </a:lnSpc>
+            </a:pPr>
+            <a:r>
+              <a:rPr lang="en-US" sz="1500">
+                <a:solidFill>
+                  <a:schemeClr val="bg1">
+                    <a:lumMod val="75000"/>
+                  </a:schemeClr>
+                </a:solidFill>
+                <a:latin typeface="JetBrains Mono NL Medium" panose="02000009000000000000" charset="0"/>
+                <a:cs typeface="JetBrains Mono NL Medium" panose="02000009000000000000" charset="0"/>
+              </a:rPr>
+              <a:t>obs x,y = 100,100</a:t>
+            </a:r>
+            <a:endParaRPr lang="en-US" sz="1500">
+              <a:solidFill>
+                <a:schemeClr val="bg1">
+                  <a:lumMod val="75000"/>
+                </a:schemeClr>
+              </a:solidFill>
+              <a:latin typeface="JetBrains Mono NL Medium" panose="02000009000000000000" charset="0"/>
+              <a:cs typeface="JetBrains Mono NL Medium" panose="02000009000000000000" charset="0"/>
+            </a:endParaRPr>
+          </a:p>
+        </p:txBody>
+      </p:sp>
+      <p:sp>
+        <p:nvSpPr>
+          <p:cNvPr id="14" name="Text Box 13"/>
+          <p:cNvSpPr txBox="1"/>
+          <p:nvPr/>
+        </p:nvSpPr>
+        <p:spPr>
+          <a:xfrm>
+            <a:off x="4766310" y="5343525"/>
+            <a:ext cx="2125980" cy="321945"/>
+          </a:xfrm>
+          <a:prstGeom prst="rect">
+            <a:avLst/>
+          </a:prstGeom>
+          <a:noFill/>
+        </p:spPr>
+        <p:txBody>
+          <a:bodyPr wrap="none" rtlCol="0">
+            <a:spAutoFit/>
+          </a:bodyPr>
+          <a:p>
+            <a:pPr algn="l">
+              <a:lnSpc>
+                <a:spcPct val="100000"/>
+              </a:lnSpc>
+            </a:pPr>
+            <a:r>
+              <a:rPr lang="en-US" sz="1500">
+                <a:solidFill>
+                  <a:schemeClr val="bg1">
+                    <a:lumMod val="75000"/>
+                  </a:schemeClr>
+                </a:solidFill>
+                <a:latin typeface="JetBrains Mono NL Medium" panose="02000009000000000000" charset="0"/>
+                <a:cs typeface="JetBrains Mono NL Medium" panose="02000009000000000000" charset="0"/>
+              </a:rPr>
+              <a:t>dino x,y = 80,120</a:t>
+            </a:r>
+            <a:endParaRPr lang="en-US" sz="1500">
+              <a:solidFill>
+                <a:schemeClr val="bg1">
+                  <a:lumMod val="75000"/>
+                </a:schemeClr>
+              </a:solidFill>
+              <a:latin typeface="JetBrains Mono NL Medium" panose="02000009000000000000" charset="0"/>
+              <a:cs typeface="JetBrains Mono NL Medium" panose="02000009000000000000" charset="0"/>
+            </a:endParaRPr>
+          </a:p>
+        </p:txBody>
+      </p:sp>
+      <p:sp>
+        <p:nvSpPr>
+          <p:cNvPr id="16" name="Text Box 15"/>
+          <p:cNvSpPr txBox="1"/>
+          <p:nvPr/>
+        </p:nvSpPr>
+        <p:spPr>
+          <a:xfrm>
+            <a:off x="5977890" y="3147060"/>
+            <a:ext cx="4869180" cy="1476375"/>
+          </a:xfrm>
+          <a:prstGeom prst="rect">
+            <a:avLst/>
+          </a:prstGeom>
+          <a:noFill/>
+        </p:spPr>
+        <p:txBody>
+          <a:bodyPr wrap="none" rtlCol="0">
+            <a:spAutoFit/>
+          </a:bodyPr>
+          <a:p>
+            <a:pPr algn="l">
+              <a:lnSpc>
+                <a:spcPct val="100000"/>
+              </a:lnSpc>
+            </a:pPr>
+            <a:r>
+              <a:rPr lang="en-US" sz="1500">
+                <a:solidFill>
+                  <a:schemeClr val="bg1">
+                    <a:lumMod val="75000"/>
+                  </a:schemeClr>
+                </a:solidFill>
+                <a:latin typeface="JetBrains Mono NL Medium" panose="02000009000000000000" charset="0"/>
+                <a:cs typeface="JetBrains Mono NL Medium" panose="02000009000000000000" charset="0"/>
+              </a:rPr>
+              <a:t>if(dino_x &gt; obs_x &amp;&amp; dino_x &lt; obs_x+20 &amp;&amp;</a:t>
+            </a:r>
+            <a:endParaRPr lang="en-US" sz="1500">
+              <a:solidFill>
+                <a:schemeClr val="bg1">
+                  <a:lumMod val="75000"/>
+                </a:schemeClr>
+              </a:solidFill>
+              <a:latin typeface="JetBrains Mono NL Medium" panose="02000009000000000000" charset="0"/>
+              <a:cs typeface="JetBrains Mono NL Medium" panose="02000009000000000000" charset="0"/>
+            </a:endParaRPr>
+          </a:p>
+          <a:p>
+            <a:pPr algn="l">
+              <a:lnSpc>
+                <a:spcPct val="100000"/>
+              </a:lnSpc>
+            </a:pPr>
+            <a:r>
+              <a:rPr lang="en-US" sz="1500">
+                <a:solidFill>
+                  <a:schemeClr val="bg1">
+                    <a:lumMod val="75000"/>
+                  </a:schemeClr>
+                </a:solidFill>
+                <a:latin typeface="JetBrains Mono NL Medium" panose="02000009000000000000" charset="0"/>
+                <a:cs typeface="JetBrains Mono NL Medium" panose="02000009000000000000" charset="0"/>
+              </a:rPr>
+              <a:t>   dino_y &gt; obs_y) {</a:t>
+            </a:r>
+            <a:endParaRPr lang="en-US" sz="1500">
+              <a:solidFill>
+                <a:schemeClr val="bg1">
+                  <a:lumMod val="75000"/>
+                </a:schemeClr>
+              </a:solidFill>
+              <a:latin typeface="JetBrains Mono NL Medium" panose="02000009000000000000" charset="0"/>
+              <a:cs typeface="JetBrains Mono NL Medium" panose="02000009000000000000" charset="0"/>
+            </a:endParaRPr>
+          </a:p>
+          <a:p>
+            <a:pPr algn="l">
+              <a:lnSpc>
+                <a:spcPct val="100000"/>
+              </a:lnSpc>
+            </a:pPr>
+            <a:r>
+              <a:rPr lang="en-US" sz="1500">
+                <a:solidFill>
+                  <a:schemeClr val="bg1">
+                    <a:lumMod val="75000"/>
+                  </a:schemeClr>
+                </a:solidFill>
+                <a:latin typeface="JetBrains Mono NL Medium" panose="02000009000000000000" charset="0"/>
+                <a:cs typeface="JetBrains Mono NL Medium" panose="02000009000000000000" charset="0"/>
+              </a:rPr>
+              <a:t>	</a:t>
+            </a:r>
+            <a:endParaRPr lang="en-US" sz="1500">
+              <a:solidFill>
+                <a:schemeClr val="bg1">
+                  <a:lumMod val="75000"/>
+                </a:schemeClr>
+              </a:solidFill>
+              <a:latin typeface="JetBrains Mono NL Medium" panose="02000009000000000000" charset="0"/>
+              <a:cs typeface="JetBrains Mono NL Medium" panose="02000009000000000000" charset="0"/>
+            </a:endParaRPr>
+          </a:p>
+          <a:p>
+            <a:pPr algn="l">
+              <a:lnSpc>
+                <a:spcPct val="100000"/>
+              </a:lnSpc>
+            </a:pPr>
+            <a:r>
+              <a:rPr lang="en-US" sz="1500">
+                <a:solidFill>
+                  <a:schemeClr val="bg1">
+                    <a:lumMod val="75000"/>
+                  </a:schemeClr>
+                </a:solidFill>
+                <a:latin typeface="JetBrains Mono NL Medium" panose="02000009000000000000" charset="0"/>
+                <a:cs typeface="JetBrains Mono NL Medium" panose="02000009000000000000" charset="0"/>
+              </a:rPr>
+              <a:t>	game_over();</a:t>
+            </a:r>
+            <a:endParaRPr lang="en-US" sz="1500">
+              <a:solidFill>
+                <a:schemeClr val="bg1">
+                  <a:lumMod val="75000"/>
+                </a:schemeClr>
+              </a:solidFill>
+              <a:latin typeface="JetBrains Mono NL Medium" panose="02000009000000000000" charset="0"/>
+              <a:cs typeface="JetBrains Mono NL Medium" panose="02000009000000000000" charset="0"/>
+            </a:endParaRPr>
+          </a:p>
+          <a:p>
+            <a:pPr algn="l">
+              <a:lnSpc>
+                <a:spcPct val="100000"/>
+              </a:lnSpc>
+            </a:pPr>
+            <a:endParaRPr lang="en-US" sz="1500">
+              <a:solidFill>
+                <a:schemeClr val="bg1">
+                  <a:lumMod val="75000"/>
+                </a:schemeClr>
+              </a:solidFill>
+              <a:latin typeface="JetBrains Mono NL Medium" panose="02000009000000000000" charset="0"/>
+              <a:cs typeface="JetBrains Mono NL Medium" panose="02000009000000000000" charset="0"/>
+            </a:endParaRPr>
+          </a:p>
+          <a:p>
+            <a:pPr algn="l">
+              <a:lnSpc>
+                <a:spcPct val="100000"/>
+              </a:lnSpc>
+            </a:pPr>
+            <a:r>
+              <a:rPr lang="en-US" sz="1500">
+                <a:solidFill>
+                  <a:schemeClr val="bg1">
+                    <a:lumMod val="75000"/>
+                  </a:schemeClr>
+                </a:solidFill>
+                <a:latin typeface="JetBrains Mono NL Medium" panose="02000009000000000000" charset="0"/>
+                <a:cs typeface="JetBrains Mono NL Medium" panose="02000009000000000000" charset="0"/>
+              </a:rPr>
+              <a:t>}</a:t>
+            </a:r>
+            <a:endParaRPr lang="en-US" sz="1500">
+              <a:solidFill>
+                <a:schemeClr val="bg1">
+                  <a:lumMod val="75000"/>
+                </a:schemeClr>
+              </a:solidFill>
+              <a:latin typeface="JetBrains Mono NL Medium" panose="02000009000000000000" charset="0"/>
+              <a:cs typeface="JetBrains Mono NL Medium" panose="02000009000000000000" charset="0"/>
+            </a:endParaRPr>
+          </a:p>
+        </p:txBody>
+      </p:sp>
+      <p:cxnSp>
+        <p:nvCxnSpPr>
+          <p:cNvPr id="4" name="Straight Connector 3"/>
+          <p:cNvCxnSpPr/>
+          <p:nvPr/>
+        </p:nvCxnSpPr>
+        <p:spPr>
+          <a:xfrm>
+            <a:off x="5975985" y="2499360"/>
             <a:ext cx="334645" cy="1056640"/>
           </a:xfrm>
           <a:prstGeom prst="line">
@@ -7097,320 +7529,6 @@
           </a:fontRef>
         </p:style>
       </p:cxnSp>
-      <p:cxnSp>
-        <p:nvCxnSpPr>
-          <p:cNvPr id="12" name="Straight Connector 11"/>
-          <p:cNvCxnSpPr/>
-          <p:nvPr/>
-        </p:nvCxnSpPr>
-        <p:spPr>
-          <a:xfrm>
-            <a:off x="3551555" y="4232275"/>
-            <a:ext cx="98425" cy="1077595"/>
-          </a:xfrm>
-          <a:prstGeom prst="line">
-            <a:avLst/>
-          </a:prstGeom>
-          <a:ln w="12700" cmpd="sng">
-            <a:solidFill>
-              <a:schemeClr val="bg1"/>
-            </a:solidFill>
-            <a:prstDash val="solid"/>
-          </a:ln>
-        </p:spPr>
-        <p:style>
-          <a:lnRef idx="1">
-            <a:schemeClr val="accent1"/>
-          </a:lnRef>
-          <a:fillRef idx="0">
-            <a:schemeClr val="accent1"/>
-          </a:fillRef>
-          <a:effectRef idx="0">
-            <a:schemeClr val="accent1"/>
-          </a:effectRef>
-          <a:fontRef idx="minor">
-            <a:schemeClr val="tx1"/>
-          </a:fontRef>
-        </p:style>
-      </p:cxnSp>
-      <p:sp>
-        <p:nvSpPr>
-          <p:cNvPr id="13" name="Text Box 12"/>
-          <p:cNvSpPr txBox="1"/>
-          <p:nvPr/>
-        </p:nvSpPr>
-        <p:spPr>
-          <a:xfrm>
-            <a:off x="2658745" y="2091055"/>
-            <a:ext cx="2125980" cy="321945"/>
-          </a:xfrm>
-          <a:prstGeom prst="rect">
-            <a:avLst/>
-          </a:prstGeom>
-          <a:noFill/>
-        </p:spPr>
-        <p:txBody>
-          <a:bodyPr wrap="none" rtlCol="0">
-            <a:spAutoFit/>
-          </a:bodyPr>
-          <a:p>
-            <a:pPr algn="l">
-              <a:lnSpc>
-                <a:spcPct val="100000"/>
-              </a:lnSpc>
-            </a:pPr>
-            <a:r>
-              <a:rPr lang="en-US" sz="1500">
-                <a:solidFill>
-                  <a:schemeClr val="bg1">
-                    <a:lumMod val="75000"/>
-                  </a:schemeClr>
-                </a:solidFill>
-                <a:latin typeface="JetBrains Mono NL Medium" panose="02000009000000000000" charset="0"/>
-                <a:cs typeface="JetBrains Mono NL Medium" panose="02000009000000000000" charset="0"/>
-              </a:rPr>
-              <a:t>obs x,y = 100,100</a:t>
-            </a:r>
-            <a:endParaRPr lang="en-US" sz="1500">
-              <a:solidFill>
-                <a:schemeClr val="bg1">
-                  <a:lumMod val="75000"/>
-                </a:schemeClr>
-              </a:solidFill>
-              <a:latin typeface="JetBrains Mono NL Medium" panose="02000009000000000000" charset="0"/>
-              <a:cs typeface="JetBrains Mono NL Medium" panose="02000009000000000000" charset="0"/>
-            </a:endParaRPr>
-          </a:p>
-        </p:txBody>
-      </p:sp>
-      <p:sp>
-        <p:nvSpPr>
-          <p:cNvPr id="14" name="Text Box 13"/>
-          <p:cNvSpPr txBox="1"/>
-          <p:nvPr/>
-        </p:nvSpPr>
-        <p:spPr>
-          <a:xfrm>
-            <a:off x="2658110" y="5374005"/>
-            <a:ext cx="2125980" cy="321945"/>
-          </a:xfrm>
-          <a:prstGeom prst="rect">
-            <a:avLst/>
-          </a:prstGeom>
-          <a:noFill/>
-        </p:spPr>
-        <p:txBody>
-          <a:bodyPr wrap="none" rtlCol="0">
-            <a:spAutoFit/>
-          </a:bodyPr>
-          <a:p>
-            <a:pPr algn="l">
-              <a:lnSpc>
-                <a:spcPct val="100000"/>
-              </a:lnSpc>
-            </a:pPr>
-            <a:r>
-              <a:rPr lang="en-US" sz="1500">
-                <a:solidFill>
-                  <a:schemeClr val="bg1">
-                    <a:lumMod val="75000"/>
-                  </a:schemeClr>
-                </a:solidFill>
-                <a:latin typeface="JetBrains Mono NL Medium" panose="02000009000000000000" charset="0"/>
-                <a:cs typeface="JetBrains Mono NL Medium" panose="02000009000000000000" charset="0"/>
-              </a:rPr>
-              <a:t>dino x,y = 80,120</a:t>
-            </a:r>
-            <a:endParaRPr lang="en-US" sz="1500">
-              <a:solidFill>
-                <a:schemeClr val="bg1">
-                  <a:lumMod val="75000"/>
-                </a:schemeClr>
-              </a:solidFill>
-              <a:latin typeface="JetBrains Mono NL Medium" panose="02000009000000000000" charset="0"/>
-              <a:cs typeface="JetBrains Mono NL Medium" panose="02000009000000000000" charset="0"/>
-            </a:endParaRPr>
-          </a:p>
-        </p:txBody>
-      </p:sp>
-      <p:sp>
-        <p:nvSpPr>
-          <p:cNvPr id="16" name="Text Box 15"/>
-          <p:cNvSpPr txBox="1"/>
-          <p:nvPr/>
-        </p:nvSpPr>
-        <p:spPr>
-          <a:xfrm>
-            <a:off x="5977890" y="3147060"/>
-            <a:ext cx="4869180" cy="1476375"/>
-          </a:xfrm>
-          <a:prstGeom prst="rect">
-            <a:avLst/>
-          </a:prstGeom>
-          <a:noFill/>
-        </p:spPr>
-        <p:txBody>
-          <a:bodyPr wrap="none" rtlCol="0">
-            <a:spAutoFit/>
-          </a:bodyPr>
-          <a:p>
-            <a:pPr algn="l">
-              <a:lnSpc>
-                <a:spcPct val="100000"/>
-              </a:lnSpc>
-            </a:pPr>
-            <a:r>
-              <a:rPr lang="en-US" sz="1500">
-                <a:solidFill>
-                  <a:schemeClr val="bg1">
-                    <a:lumMod val="75000"/>
-                  </a:schemeClr>
-                </a:solidFill>
-                <a:latin typeface="JetBrains Mono NL Medium" panose="02000009000000000000" charset="0"/>
-                <a:cs typeface="JetBrains Mono NL Medium" panose="02000009000000000000" charset="0"/>
-              </a:rPr>
-              <a:t>if(dino_x &gt; obs_x &amp;&amp; dino_x &lt; obs_x+20 &amp;&amp;</a:t>
-            </a:r>
-            <a:endParaRPr lang="en-US" sz="1500">
-              <a:solidFill>
-                <a:schemeClr val="bg1">
-                  <a:lumMod val="75000"/>
-                </a:schemeClr>
-              </a:solidFill>
-              <a:latin typeface="JetBrains Mono NL Medium" panose="02000009000000000000" charset="0"/>
-              <a:cs typeface="JetBrains Mono NL Medium" panose="02000009000000000000" charset="0"/>
-            </a:endParaRPr>
-          </a:p>
-          <a:p>
-            <a:pPr algn="l">
-              <a:lnSpc>
-                <a:spcPct val="100000"/>
-              </a:lnSpc>
-            </a:pPr>
-            <a:r>
-              <a:rPr lang="en-US" sz="1500">
-                <a:solidFill>
-                  <a:schemeClr val="bg1">
-                    <a:lumMod val="75000"/>
-                  </a:schemeClr>
-                </a:solidFill>
-                <a:latin typeface="JetBrains Mono NL Medium" panose="02000009000000000000" charset="0"/>
-                <a:cs typeface="JetBrains Mono NL Medium" panose="02000009000000000000" charset="0"/>
-              </a:rPr>
-              <a:t>   dino_y &gt; obs_y) {</a:t>
-            </a:r>
-            <a:endParaRPr lang="en-US" sz="1500">
-              <a:solidFill>
-                <a:schemeClr val="bg1">
-                  <a:lumMod val="75000"/>
-                </a:schemeClr>
-              </a:solidFill>
-              <a:latin typeface="JetBrains Mono NL Medium" panose="02000009000000000000" charset="0"/>
-              <a:cs typeface="JetBrains Mono NL Medium" panose="02000009000000000000" charset="0"/>
-            </a:endParaRPr>
-          </a:p>
-          <a:p>
-            <a:pPr algn="l">
-              <a:lnSpc>
-                <a:spcPct val="100000"/>
-              </a:lnSpc>
-            </a:pPr>
-            <a:r>
-              <a:rPr lang="en-US" sz="1500">
-                <a:solidFill>
-                  <a:schemeClr val="bg1">
-                    <a:lumMod val="75000"/>
-                  </a:schemeClr>
-                </a:solidFill>
-                <a:latin typeface="JetBrains Mono NL Medium" panose="02000009000000000000" charset="0"/>
-                <a:cs typeface="JetBrains Mono NL Medium" panose="02000009000000000000" charset="0"/>
-              </a:rPr>
-              <a:t>	</a:t>
-            </a:r>
-            <a:endParaRPr lang="en-US" sz="1500">
-              <a:solidFill>
-                <a:schemeClr val="bg1">
-                  <a:lumMod val="75000"/>
-                </a:schemeClr>
-              </a:solidFill>
-              <a:latin typeface="JetBrains Mono NL Medium" panose="02000009000000000000" charset="0"/>
-              <a:cs typeface="JetBrains Mono NL Medium" panose="02000009000000000000" charset="0"/>
-            </a:endParaRPr>
-          </a:p>
-          <a:p>
-            <a:pPr algn="l">
-              <a:lnSpc>
-                <a:spcPct val="100000"/>
-              </a:lnSpc>
-            </a:pPr>
-            <a:r>
-              <a:rPr lang="en-US" sz="1500">
-                <a:solidFill>
-                  <a:schemeClr val="bg1">
-                    <a:lumMod val="75000"/>
-                  </a:schemeClr>
-                </a:solidFill>
-                <a:latin typeface="JetBrains Mono NL Medium" panose="02000009000000000000" charset="0"/>
-                <a:cs typeface="JetBrains Mono NL Medium" panose="02000009000000000000" charset="0"/>
-              </a:rPr>
-              <a:t>	game_over();</a:t>
-            </a:r>
-            <a:endParaRPr lang="en-US" sz="1500">
-              <a:solidFill>
-                <a:schemeClr val="bg1">
-                  <a:lumMod val="75000"/>
-                </a:schemeClr>
-              </a:solidFill>
-              <a:latin typeface="JetBrains Mono NL Medium" panose="02000009000000000000" charset="0"/>
-              <a:cs typeface="JetBrains Mono NL Medium" panose="02000009000000000000" charset="0"/>
-            </a:endParaRPr>
-          </a:p>
-          <a:p>
-            <a:pPr algn="l">
-              <a:lnSpc>
-                <a:spcPct val="100000"/>
-              </a:lnSpc>
-            </a:pPr>
-            <a:endParaRPr lang="en-US" sz="1500">
-              <a:solidFill>
-                <a:schemeClr val="bg1">
-                  <a:lumMod val="75000"/>
-                </a:schemeClr>
-              </a:solidFill>
-              <a:latin typeface="JetBrains Mono NL Medium" panose="02000009000000000000" charset="0"/>
-              <a:cs typeface="JetBrains Mono NL Medium" panose="02000009000000000000" charset="0"/>
-            </a:endParaRPr>
-          </a:p>
-          <a:p>
-            <a:pPr algn="l">
-              <a:lnSpc>
-                <a:spcPct val="100000"/>
-              </a:lnSpc>
-            </a:pPr>
-            <a:r>
-              <a:rPr lang="en-US" sz="1500">
-                <a:solidFill>
-                  <a:schemeClr val="bg1">
-                    <a:lumMod val="75000"/>
-                  </a:schemeClr>
-                </a:solidFill>
-                <a:latin typeface="JetBrains Mono NL Medium" panose="02000009000000000000" charset="0"/>
-                <a:cs typeface="JetBrains Mono NL Medium" panose="02000009000000000000" charset="0"/>
-              </a:rPr>
-              <a:t>}</a:t>
-            </a:r>
-            <a:endParaRPr lang="en-US" sz="1500">
-              <a:solidFill>
-                <a:schemeClr val="bg1">
-                  <a:lumMod val="75000"/>
-                </a:schemeClr>
-              </a:solidFill>
-              <a:latin typeface="JetBrains Mono NL Medium" panose="02000009000000000000" charset="0"/>
-              <a:cs typeface="JetBrains Mono NL Medium" panose="02000009000000000000" charset="0"/>
-            </a:endParaRPr>
-          </a:p>
-        </p:txBody>
-      </p:sp>
     </p:spTree>
   </p:cSld>
   <p:clrMapOvr>
@@ -7419,9 +7537,400 @@
   <p:timing>
     <p:tnLst>
       <p:par>
-        <p:cTn id="1" dur="indefinite" restart="never" nodeType="tmRoot"/>
+        <p:cTn id="1" dur="indefinite" restart="never" nodeType="tmRoot">
+          <p:childTnLst>
+            <p:seq concurrent="1" nextAc="seek">
+              <p:cTn id="2" dur="indefinite" nodeType="mainSeq">
+                <p:childTnLst>
+                  <p:par>
+                    <p:cTn id="3" fill="hold">
+                      <p:stCondLst>
+                        <p:cond delay="indefinite"/>
+                      </p:stCondLst>
+                      <p:childTnLst>
+                        <p:par>
+                          <p:cTn id="4" fill="hold">
+                            <p:stCondLst>
+                              <p:cond delay="0"/>
+                            </p:stCondLst>
+                            <p:childTnLst>
+                              <p:par>
+                                <p:cTn id="5" presetID="22" presetClass="entr" presetSubtype="1" fill="hold" nodeType="clickEffect">
+                                  <p:stCondLst>
+                                    <p:cond delay="0"/>
+                                  </p:stCondLst>
+                                  <p:childTnLst>
+                                    <p:set>
+                                      <p:cBhvr>
+                                        <p:cTn id="6" dur="1" fill="hold">
+                                          <p:stCondLst>
+                                            <p:cond delay="0"/>
+                                          </p:stCondLst>
+                                        </p:cTn>
+                                        <p:tgtEl>
+                                          <p:spTgt spid="12"/>
+                                        </p:tgtEl>
+                                        <p:attrNameLst>
+                                          <p:attrName>style.visibility</p:attrName>
+                                        </p:attrNameLst>
+                                      </p:cBhvr>
+                                      <p:to>
+                                        <p:strVal val="visible"/>
+                                      </p:to>
+                                    </p:set>
+                                    <p:animEffect transition="in" filter="wipe(up)">
+                                      <p:cBhvr>
+                                        <p:cTn id="7" dur="500"/>
+                                        <p:tgtEl>
+                                          <p:spTgt spid="12"/>
+                                        </p:tgtEl>
+                                      </p:cBhvr>
+                                    </p:animEffect>
+                                  </p:childTnLst>
+                                </p:cTn>
+                              </p:par>
+                            </p:childTnLst>
+                          </p:cTn>
+                        </p:par>
+                        <p:par>
+                          <p:cTn id="8" fill="hold">
+                            <p:stCondLst>
+                              <p:cond delay="500"/>
+                            </p:stCondLst>
+                            <p:childTnLst>
+                              <p:par>
+                                <p:cTn id="9" presetID="10" presetClass="entr" presetSubtype="0" fill="hold" grpId="0" nodeType="afterEffect">
+                                  <p:stCondLst>
+                                    <p:cond delay="0"/>
+                                  </p:stCondLst>
+                                  <p:childTnLst>
+                                    <p:set>
+                                      <p:cBhvr>
+                                        <p:cTn id="10" dur="1" fill="hold">
+                                          <p:stCondLst>
+                                            <p:cond delay="0"/>
+                                          </p:stCondLst>
+                                        </p:cTn>
+                                        <p:tgtEl>
+                                          <p:spTgt spid="14"/>
+                                        </p:tgtEl>
+                                        <p:attrNameLst>
+                                          <p:attrName>style.visibility</p:attrName>
+                                        </p:attrNameLst>
+                                      </p:cBhvr>
+                                      <p:to>
+                                        <p:strVal val="visible"/>
+                                      </p:to>
+                                    </p:set>
+                                    <p:animEffect transition="in" filter="fade">
+                                      <p:cBhvr>
+                                        <p:cTn id="11" dur="500"/>
+                                        <p:tgtEl>
+                                          <p:spTgt spid="14"/>
+                                        </p:tgtEl>
+                                      </p:cBhvr>
+                                    </p:animEffect>
+                                  </p:childTnLst>
+                                </p:cTn>
+                              </p:par>
+                            </p:childTnLst>
+                          </p:cTn>
+                        </p:par>
+                      </p:childTnLst>
+                    </p:cTn>
+                  </p:par>
+                  <p:par>
+                    <p:cTn id="12" fill="hold">
+                      <p:stCondLst>
+                        <p:cond delay="indefinite"/>
+                      </p:stCondLst>
+                      <p:childTnLst>
+                        <p:par>
+                          <p:cTn id="13" fill="hold">
+                            <p:stCondLst>
+                              <p:cond delay="0"/>
+                            </p:stCondLst>
+                            <p:childTnLst>
+                              <p:par>
+                                <p:cTn id="14" presetID="22" presetClass="entr" presetSubtype="4" fill="hold" nodeType="clickEffect">
+                                  <p:stCondLst>
+                                    <p:cond delay="0"/>
+                                  </p:stCondLst>
+                                  <p:childTnLst>
+                                    <p:set>
+                                      <p:cBhvr>
+                                        <p:cTn id="15" dur="1" fill="hold">
+                                          <p:stCondLst>
+                                            <p:cond delay="0"/>
+                                          </p:stCondLst>
+                                        </p:cTn>
+                                        <p:tgtEl>
+                                          <p:spTgt spid="4"/>
+                                        </p:tgtEl>
+                                        <p:attrNameLst>
+                                          <p:attrName>style.visibility</p:attrName>
+                                        </p:attrNameLst>
+                                      </p:cBhvr>
+                                      <p:to>
+                                        <p:strVal val="visible"/>
+                                      </p:to>
+                                    </p:set>
+                                    <p:animEffect transition="in" filter="wipe(down)">
+                                      <p:cBhvr>
+                                        <p:cTn id="16" dur="500"/>
+                                        <p:tgtEl>
+                                          <p:spTgt spid="4"/>
+                                        </p:tgtEl>
+                                      </p:cBhvr>
+                                    </p:animEffect>
+                                  </p:childTnLst>
+                                </p:cTn>
+                              </p:par>
+                            </p:childTnLst>
+                          </p:cTn>
+                        </p:par>
+                        <p:par>
+                          <p:cTn id="17" fill="hold">
+                            <p:stCondLst>
+                              <p:cond delay="500"/>
+                            </p:stCondLst>
+                            <p:childTnLst>
+                              <p:par>
+                                <p:cTn id="18" presetID="10" presetClass="entr" presetSubtype="0" fill="hold" grpId="0" nodeType="afterEffect">
+                                  <p:stCondLst>
+                                    <p:cond delay="0"/>
+                                  </p:stCondLst>
+                                  <p:childTnLst>
+                                    <p:set>
+                                      <p:cBhvr>
+                                        <p:cTn id="19" dur="1" fill="hold">
+                                          <p:stCondLst>
+                                            <p:cond delay="0"/>
+                                          </p:stCondLst>
+                                        </p:cTn>
+                                        <p:tgtEl>
+                                          <p:spTgt spid="13"/>
+                                        </p:tgtEl>
+                                        <p:attrNameLst>
+                                          <p:attrName>style.visibility</p:attrName>
+                                        </p:attrNameLst>
+                                      </p:cBhvr>
+                                      <p:to>
+                                        <p:strVal val="visible"/>
+                                      </p:to>
+                                    </p:set>
+                                    <p:animEffect transition="in" filter="fade">
+                                      <p:cBhvr>
+                                        <p:cTn id="20" dur="500"/>
+                                        <p:tgtEl>
+                                          <p:spTgt spid="13"/>
+                                        </p:tgtEl>
+                                      </p:cBhvr>
+                                    </p:animEffect>
+                                  </p:childTnLst>
+                                </p:cTn>
+                              </p:par>
+                            </p:childTnLst>
+                          </p:cTn>
+                        </p:par>
+                      </p:childTnLst>
+                    </p:cTn>
+                  </p:par>
+                  <p:par>
+                    <p:cTn id="21" fill="hold">
+                      <p:stCondLst>
+                        <p:cond delay="indefinite"/>
+                      </p:stCondLst>
+                      <p:childTnLst>
+                        <p:par>
+                          <p:cTn id="22" fill="hold">
+                            <p:stCondLst>
+                              <p:cond delay="0"/>
+                            </p:stCondLst>
+                            <p:childTnLst>
+                              <p:par>
+                                <p:cTn id="23" presetID="0" presetClass="path" presetSubtype="0" accel="50000" decel="50000" fill="hold" grpId="1" nodeType="clickEffect">
+                                  <p:stCondLst>
+                                    <p:cond delay="0"/>
+                                  </p:stCondLst>
+                                  <p:childTnLst>
+                                    <p:animMotion origin="layout" path="M 0 0 L -0.177083 0 " pathEditMode="relative" ptsTypes="">
+                                      <p:cBhvr>
+                                        <p:cTn id="24" dur="1000" fill="hold"/>
+                                        <p:tgtEl>
+                                          <p:spTgt spid="13"/>
+                                        </p:tgtEl>
+                                        <p:attrNameLst>
+                                          <p:attrName>ppt_x</p:attrName>
+                                          <p:attrName>ppt_y</p:attrName>
+                                        </p:attrNameLst>
+                                      </p:cBhvr>
+                                    </p:animMotion>
+                                  </p:childTnLst>
+                                </p:cTn>
+                              </p:par>
+                              <p:par>
+                                <p:cTn id="25" presetID="0" presetClass="path" presetSubtype="0" accel="50000" decel="50000" fill="hold" grpId="1" nodeType="withEffect">
+                                  <p:stCondLst>
+                                    <p:cond delay="0"/>
+                                  </p:stCondLst>
+                                  <p:childTnLst>
+                                    <p:animMotion origin="layout" path="M 0 0 L -0.177083 0 " pathEditMode="relative" ptsTypes="">
+                                      <p:cBhvr>
+                                        <p:cTn id="26" dur="1000" fill="hold"/>
+                                        <p:tgtEl>
+                                          <p:spTgt spid="14"/>
+                                        </p:tgtEl>
+                                        <p:attrNameLst>
+                                          <p:attrName>ppt_x</p:attrName>
+                                          <p:attrName>ppt_y</p:attrName>
+                                        </p:attrNameLst>
+                                      </p:cBhvr>
+                                    </p:animMotion>
+                                  </p:childTnLst>
+                                </p:cTn>
+                              </p:par>
+                              <p:par>
+                                <p:cTn id="27" presetID="0" presetClass="path" presetSubtype="0" accel="50000" decel="50000" fill="hold" nodeType="withEffect">
+                                  <p:stCondLst>
+                                    <p:cond delay="0"/>
+                                  </p:stCondLst>
+                                  <p:childTnLst>
+                                    <p:animMotion origin="layout" path="M 0 0 L -0.177083 0 " pathEditMode="relative" ptsTypes="">
+                                      <p:cBhvr>
+                                        <p:cTn id="28" dur="1000" fill="hold"/>
+                                        <p:tgtEl>
+                                          <p:spTgt spid="12"/>
+                                        </p:tgtEl>
+                                        <p:attrNameLst>
+                                          <p:attrName>ppt_x</p:attrName>
+                                          <p:attrName>ppt_y</p:attrName>
+                                        </p:attrNameLst>
+                                      </p:cBhvr>
+                                    </p:animMotion>
+                                  </p:childTnLst>
+                                </p:cTn>
+                              </p:par>
+                              <p:par>
+                                <p:cTn id="29" presetID="0" presetClass="path" presetSubtype="0" accel="50000" decel="50000" fill="hold" nodeType="withEffect">
+                                  <p:stCondLst>
+                                    <p:cond delay="0"/>
+                                  </p:stCondLst>
+                                  <p:childTnLst>
+                                    <p:animMotion origin="layout" path="M 0 0 L -0.177083 0 " pathEditMode="relative" ptsTypes="">
+                                      <p:cBhvr>
+                                        <p:cTn id="30" dur="1000" fill="hold"/>
+                                        <p:tgtEl>
+                                          <p:spTgt spid="4"/>
+                                        </p:tgtEl>
+                                        <p:attrNameLst>
+                                          <p:attrName>ppt_x</p:attrName>
+                                          <p:attrName>ppt_y</p:attrName>
+                                        </p:attrNameLst>
+                                      </p:cBhvr>
+                                    </p:animMotion>
+                                  </p:childTnLst>
+                                </p:cTn>
+                              </p:par>
+                              <p:par>
+                                <p:cTn id="31" presetID="0" presetClass="path" presetSubtype="0" accel="50000" decel="50000" fill="hold" nodeType="withEffect">
+                                  <p:stCondLst>
+                                    <p:cond delay="0"/>
+                                  </p:stCondLst>
+                                  <p:childTnLst>
+                                    <p:animMotion origin="layout" path="M 0 0 L -0.177083 0 " pathEditMode="relative" ptsTypes="">
+                                      <p:cBhvr>
+                                        <p:cTn id="32" dur="1000" fill="hold"/>
+                                        <p:tgtEl>
+                                          <p:spTgt spid="2"/>
+                                        </p:tgtEl>
+                                        <p:attrNameLst>
+                                          <p:attrName>ppt_x</p:attrName>
+                                          <p:attrName>ppt_y</p:attrName>
+                                        </p:attrNameLst>
+                                      </p:cBhvr>
+                                    </p:animMotion>
+                                  </p:childTnLst>
+                                </p:cTn>
+                              </p:par>
+                            </p:childTnLst>
+                          </p:cTn>
+                        </p:par>
+                        <p:par>
+                          <p:cTn id="33" fill="hold">
+                            <p:stCondLst>
+                              <p:cond delay="1000"/>
+                            </p:stCondLst>
+                            <p:childTnLst>
+                              <p:par>
+                                <p:cTn id="34" presetID="10" presetClass="entr" presetSubtype="0" fill="hold" grpId="0" nodeType="afterEffect">
+                                  <p:stCondLst>
+                                    <p:cond delay="0"/>
+                                  </p:stCondLst>
+                                  <p:childTnLst>
+                                    <p:set>
+                                      <p:cBhvr>
+                                        <p:cTn id="35" dur="1" fill="hold">
+                                          <p:stCondLst>
+                                            <p:cond delay="0"/>
+                                          </p:stCondLst>
+                                        </p:cTn>
+                                        <p:tgtEl>
+                                          <p:spTgt spid="16"/>
+                                        </p:tgtEl>
+                                        <p:attrNameLst>
+                                          <p:attrName>style.visibility</p:attrName>
+                                        </p:attrNameLst>
+                                      </p:cBhvr>
+                                      <p:to>
+                                        <p:strVal val="visible"/>
+                                      </p:to>
+                                    </p:set>
+                                    <p:animEffect transition="in" filter="fade">
+                                      <p:cBhvr>
+                                        <p:cTn id="36" dur="500"/>
+                                        <p:tgtEl>
+                                          <p:spTgt spid="16"/>
+                                        </p:tgtEl>
+                                      </p:cBhvr>
+                                    </p:animEffect>
+                                  </p:childTnLst>
+                                </p:cTn>
+                              </p:par>
+                            </p:childTnLst>
+                          </p:cTn>
+                        </p:par>
+                      </p:childTnLst>
+                    </p:cTn>
+                  </p:par>
+                </p:childTnLst>
+              </p:cTn>
+              <p:prevCondLst>
+                <p:cond evt="onPrev" delay="0">
+                  <p:tgtEl>
+                    <p:sldTgt/>
+                  </p:tgtEl>
+                </p:cond>
+              </p:prevCondLst>
+              <p:nextCondLst>
+                <p:cond evt="onNext" delay="0">
+                  <p:tgtEl>
+                    <p:sldTgt/>
+                  </p:tgtEl>
+                </p:cond>
+              </p:nextCondLst>
+            </p:seq>
+          </p:childTnLst>
+        </p:cTn>
       </p:par>
     </p:tnLst>
+    <p:bldLst>
+      <p:bldP spid="14" grpId="0"/>
+      <p:bldP spid="13" grpId="0"/>
+      <p:bldP spid="16" grpId="0"/>
+      <p:bldP spid="13" grpId="1"/>
+      <p:bldP spid="14" grpId="1"/>
+    </p:bldLst>
   </p:timing>
 </p:sld>
 </file>
@@ -8257,15 +8766,24 @@
                                   </p:childTnLst>
                                 </p:cTn>
                               </p:par>
+                            </p:childTnLst>
+                          </p:cTn>
+                        </p:par>
+                        <p:par>
+                          <p:cTn id="9" fill="hold">
+                            <p:stCondLst>
+                              <p:cond delay="2000"/>
+                            </p:stCondLst>
+                            <p:childTnLst>
                               <p:par>
-                                <p:cTn id="9" presetID="10" presetClass="entr" presetSubtype="0" fill="hold" grpId="0" nodeType="withEffect">
+                                <p:cTn id="10" presetID="10" presetClass="entr" presetSubtype="0" fill="hold" grpId="0" nodeType="afterEffect">
                                   <p:stCondLst>
                                     <p:cond delay="0"/>
                                   </p:stCondLst>
                                   <p:childTnLst>
                                     <p:set>
                                       <p:cBhvr>
-                                        <p:cTn id="10" dur="1" fill="hold">
+                                        <p:cTn id="11" dur="1" fill="hold">
                                           <p:stCondLst>
                                             <p:cond delay="0"/>
                                           </p:stCondLst>
@@ -8283,7 +8801,7 @@
                                     </p:set>
                                     <p:animEffect transition="in" filter="fade">
                                       <p:cBhvr>
-                                        <p:cTn id="11" dur="500"/>
+                                        <p:cTn id="12" dur="500"/>
                                         <p:tgtEl>
                                           <p:spTgt spid="4"/>
                                         </p:tgtEl>
@@ -8299,26 +8817,26 @@
                     </p:cTn>
                   </p:par>
                   <p:par>
-                    <p:cTn id="12" fill="hold">
+                    <p:cTn id="13" fill="hold">
                       <p:stCondLst>
                         <p:cond delay="indefinite"/>
                       </p:stCondLst>
                       <p:childTnLst>
                         <p:par>
-                          <p:cTn id="13" fill="hold">
+                          <p:cTn id="14" fill="hold">
                             <p:stCondLst>
                               <p:cond delay="0"/>
                             </p:stCondLst>
                             <p:childTnLst>
                               <p:par>
-                                <p:cTn id="14" presetID="10" presetClass="entr" presetSubtype="0" fill="hold" grpId="0" nodeType="clickEffect">
+                                <p:cTn id="15" presetID="10" presetClass="entr" presetSubtype="0" fill="hold" grpId="0" nodeType="clickEffect">
                                   <p:stCondLst>
                                     <p:cond delay="0"/>
                                   </p:stCondLst>
                                   <p:childTnLst>
                                     <p:set>
                                       <p:cBhvr>
-                                        <p:cTn id="15" dur="1" fill="hold">
+                                        <p:cTn id="16" dur="1" fill="hold">
                                           <p:stCondLst>
                                             <p:cond delay="0"/>
                                           </p:stCondLst>
@@ -8336,7 +8854,7 @@
                                     </p:set>
                                     <p:animEffect transition="in" filter="fade">
                                       <p:cBhvr>
-                                        <p:cTn id="16" dur="500"/>
+                                        <p:cTn id="17" dur="500"/>
                                         <p:tgtEl>
                                           <p:spTgt spid="10"/>
                                         </p:tgtEl>
@@ -8352,26 +8870,26 @@
                     </p:cTn>
                   </p:par>
                   <p:par>
-                    <p:cTn id="17" fill="hold">
+                    <p:cTn id="18" fill="hold">
                       <p:stCondLst>
                         <p:cond delay="indefinite"/>
                       </p:stCondLst>
                       <p:childTnLst>
                         <p:par>
-                          <p:cTn id="18" fill="hold">
+                          <p:cTn id="19" fill="hold">
                             <p:stCondLst>
                               <p:cond delay="0"/>
                             </p:stCondLst>
                             <p:childTnLst>
                               <p:par>
-                                <p:cTn id="19" presetID="10" presetClass="entr" presetSubtype="0" fill="hold" grpId="0" nodeType="clickEffect">
+                                <p:cTn id="20" presetID="10" presetClass="entr" presetSubtype="0" fill="hold" grpId="0" nodeType="clickEffect">
                                   <p:stCondLst>
                                     <p:cond delay="0"/>
                                   </p:stCondLst>
                                   <p:childTnLst>
                                     <p:set>
                                       <p:cBhvr>
-                                        <p:cTn id="20" dur="1" fill="hold">
+                                        <p:cTn id="21" dur="1" fill="hold">
                                           <p:stCondLst>
                                             <p:cond delay="0"/>
                                           </p:stCondLst>
@@ -8389,7 +8907,7 @@
                                     </p:set>
                                     <p:animEffect transition="in" filter="fade">
                                       <p:cBhvr>
-                                        <p:cTn id="21" dur="500"/>
+                                        <p:cTn id="22" dur="500"/>
                                         <p:tgtEl>
                                           <p:spTgt spid="26"/>
                                         </p:tgtEl>
@@ -8405,26 +8923,26 @@
                     </p:cTn>
                   </p:par>
                   <p:par>
-                    <p:cTn id="22" fill="hold">
+                    <p:cTn id="23" fill="hold">
                       <p:stCondLst>
                         <p:cond delay="indefinite"/>
                       </p:stCondLst>
                       <p:childTnLst>
                         <p:par>
-                          <p:cTn id="23" fill="hold">
+                          <p:cTn id="24" fill="hold">
                             <p:stCondLst>
                               <p:cond delay="0"/>
                             </p:stCondLst>
                             <p:childTnLst>
                               <p:par>
-                                <p:cTn id="24" presetID="10" presetClass="entr" presetSubtype="0" fill="hold" grpId="0" nodeType="clickEffect">
+                                <p:cTn id="25" presetID="10" presetClass="entr" presetSubtype="0" fill="hold" grpId="0" nodeType="clickEffect">
                                   <p:stCondLst>
                                     <p:cond delay="0"/>
                                   </p:stCondLst>
                                   <p:childTnLst>
                                     <p:set>
                                       <p:cBhvr>
-                                        <p:cTn id="25" dur="1" fill="hold">
+                                        <p:cTn id="26" dur="1" fill="hold">
                                           <p:stCondLst>
                                             <p:cond delay="0"/>
                                           </p:stCondLst>
@@ -8442,7 +8960,7 @@
                                     </p:set>
                                     <p:animEffect transition="in" filter="fade">
                                       <p:cBhvr>
-                                        <p:cTn id="26" dur="500"/>
+                                        <p:cTn id="27" dur="500"/>
                                         <p:tgtEl>
                                           <p:spTgt spid="17"/>
                                         </p:tgtEl>
@@ -8458,26 +8976,26 @@
                     </p:cTn>
                   </p:par>
                   <p:par>
-                    <p:cTn id="27" fill="hold">
+                    <p:cTn id="28" fill="hold">
                       <p:stCondLst>
                         <p:cond delay="indefinite"/>
                       </p:stCondLst>
                       <p:childTnLst>
                         <p:par>
-                          <p:cTn id="28" fill="hold">
+                          <p:cTn id="29" fill="hold">
                             <p:stCondLst>
                               <p:cond delay="0"/>
                             </p:stCondLst>
                             <p:childTnLst>
                               <p:par>
-                                <p:cTn id="29" presetID="10" presetClass="entr" presetSubtype="0" fill="hold" grpId="0" nodeType="clickEffect">
+                                <p:cTn id="30" presetID="10" presetClass="entr" presetSubtype="0" fill="hold" grpId="0" nodeType="clickEffect">
                                   <p:stCondLst>
                                     <p:cond delay="0"/>
                                   </p:stCondLst>
                                   <p:childTnLst>
                                     <p:set>
                                       <p:cBhvr>
-                                        <p:cTn id="30" dur="1" fill="hold">
+                                        <p:cTn id="31" dur="1" fill="hold">
                                           <p:stCondLst>
                                             <p:cond delay="0"/>
                                           </p:stCondLst>
@@ -8495,7 +9013,7 @@
                                     </p:set>
                                     <p:animEffect transition="in" filter="fade">
                                       <p:cBhvr>
-                                        <p:cTn id="31" dur="500"/>
+                                        <p:cTn id="32" dur="500"/>
                                         <p:tgtEl>
                                           <p:spTgt spid="18"/>
                                         </p:tgtEl>
@@ -8511,26 +9029,26 @@
                     </p:cTn>
                   </p:par>
                   <p:par>
-                    <p:cTn id="32" fill="hold">
+                    <p:cTn id="33" fill="hold">
                       <p:stCondLst>
                         <p:cond delay="indefinite"/>
                       </p:stCondLst>
                       <p:childTnLst>
                         <p:par>
-                          <p:cTn id="33" fill="hold">
+                          <p:cTn id="34" fill="hold">
                             <p:stCondLst>
                               <p:cond delay="0"/>
                             </p:stCondLst>
                             <p:childTnLst>
                               <p:par>
-                                <p:cTn id="34" presetID="10" presetClass="entr" presetSubtype="0" fill="hold" grpId="0" nodeType="clickEffect">
+                                <p:cTn id="35" presetID="10" presetClass="entr" presetSubtype="0" fill="hold" grpId="0" nodeType="clickEffect">
                                   <p:stCondLst>
                                     <p:cond delay="0"/>
                                   </p:stCondLst>
                                   <p:childTnLst>
                                     <p:set>
                                       <p:cBhvr>
-                                        <p:cTn id="35" dur="1" fill="hold">
+                                        <p:cTn id="36" dur="1" fill="hold">
                                           <p:stCondLst>
                                             <p:cond delay="0"/>
                                           </p:stCondLst>
@@ -8548,7 +9066,7 @@
                                     </p:set>
                                     <p:animEffect transition="in" filter="fade">
                                       <p:cBhvr>
-                                        <p:cTn id="36" dur="500"/>
+                                        <p:cTn id="37" dur="500"/>
                                         <p:tgtEl>
                                           <p:spTgt spid="27"/>
                                         </p:tgtEl>
@@ -8564,26 +9082,26 @@
                     </p:cTn>
                   </p:par>
                   <p:par>
-                    <p:cTn id="37" fill="hold">
+                    <p:cTn id="38" fill="hold">
                       <p:stCondLst>
                         <p:cond delay="indefinite"/>
                       </p:stCondLst>
                       <p:childTnLst>
                         <p:par>
-                          <p:cTn id="38" fill="hold">
+                          <p:cTn id="39" fill="hold">
                             <p:stCondLst>
                               <p:cond delay="0"/>
                             </p:stCondLst>
                             <p:childTnLst>
                               <p:par>
-                                <p:cTn id="39" presetID="10" presetClass="entr" presetSubtype="0" fill="hold" grpId="0" nodeType="clickEffect">
+                                <p:cTn id="40" presetID="10" presetClass="entr" presetSubtype="0" fill="hold" grpId="0" nodeType="clickEffect">
                                   <p:stCondLst>
                                     <p:cond delay="0"/>
                                   </p:stCondLst>
                                   <p:childTnLst>
                                     <p:set>
                                       <p:cBhvr>
-                                        <p:cTn id="40" dur="1" fill="hold">
+                                        <p:cTn id="41" dur="1" fill="hold">
                                           <p:stCondLst>
                                             <p:cond delay="0"/>
                                           </p:stCondLst>
@@ -8601,7 +9119,7 @@
                                     </p:set>
                                     <p:animEffect transition="in" filter="fade">
                                       <p:cBhvr>
-                                        <p:cTn id="41" dur="500"/>
+                                        <p:cTn id="42" dur="500"/>
                                         <p:tgtEl>
                                           <p:spTgt spid="23"/>
                                         </p:tgtEl>

--- a/DInoGame.pptx
+++ b/DInoGame.pptx
@@ -3737,7 +3737,7 @@
         </p:blipFill>
         <p:spPr>
           <a:xfrm>
-            <a:off x="2194560" y="1515110"/>
+            <a:off x="2194560" y="1300480"/>
             <a:ext cx="7835900" cy="2660015"/>
           </a:xfrm>
           <a:prstGeom prst="rect">
@@ -3753,7 +3753,7 @@
         </p:nvSpPr>
         <p:spPr>
           <a:xfrm>
-            <a:off x="4627245" y="4175125"/>
+            <a:off x="4627245" y="3877945"/>
             <a:ext cx="2936875" cy="706755"/>
           </a:xfrm>
           <a:prstGeom prst="rect">
@@ -3798,8 +3798,8 @@
         </p:nvSpPr>
         <p:spPr>
           <a:xfrm>
-            <a:off x="4192270" y="5021580"/>
-            <a:ext cx="3840480" cy="645160"/>
+            <a:off x="3887470" y="4740910"/>
+            <a:ext cx="4450080" cy="737235"/>
           </a:xfrm>
           <a:prstGeom prst="rect">
             <a:avLst/>
@@ -3817,7 +3817,7 @@
               </a:lnSpc>
             </a:pPr>
             <a:r>
-              <a:rPr lang="en-US" sz="1200">
+              <a:rPr lang="en-US" sz="1400">
                 <a:solidFill>
                   <a:schemeClr val="bg1">
                     <a:lumMod val="75000"/>
@@ -3828,7 +3828,7 @@
               </a:rPr>
               <a:t>Alive, after 70 million years, roaring, </a:t>
             </a:r>
-            <a:endParaRPr lang="en-US" sz="1200">
+            <a:endParaRPr lang="en-US" sz="1400">
               <a:solidFill>
                 <a:schemeClr val="bg1">
                   <a:lumMod val="75000"/>
@@ -3845,7 +3845,7 @@
               </a:lnSpc>
             </a:pPr>
             <a:r>
-              <a:rPr lang="en-US" sz="1200">
+              <a:rPr lang="en-US" sz="1400">
                 <a:solidFill>
                   <a:schemeClr val="bg1">
                     <a:lumMod val="75000"/>
@@ -3856,7 +3856,7 @@
               </a:rPr>
               <a:t>running, destroying.</a:t>
             </a:r>
-            <a:endParaRPr lang="en-US" sz="1200">
+            <a:endParaRPr lang="en-US" sz="1400">
               <a:solidFill>
                 <a:schemeClr val="bg1">
                   <a:lumMod val="75000"/>
@@ -8050,7 +8050,7 @@
         </p:nvSpPr>
         <p:spPr>
           <a:xfrm>
-            <a:off x="1669415" y="2500630"/>
+            <a:off x="2355215" y="2500630"/>
             <a:ext cx="868680" cy="321945"/>
           </a:xfrm>
           <a:prstGeom prst="rect">
@@ -8100,7 +8100,7 @@
         </p:nvSpPr>
         <p:spPr>
           <a:xfrm>
-            <a:off x="1669415" y="2907665"/>
+            <a:off x="2355215" y="2907665"/>
             <a:ext cx="1325880" cy="321945"/>
           </a:xfrm>
           <a:prstGeom prst="rect">
@@ -8150,7 +8150,7 @@
         </p:nvSpPr>
         <p:spPr>
           <a:xfrm>
-            <a:off x="1669415" y="4032250"/>
+            <a:off x="2355215" y="4032250"/>
             <a:ext cx="3154680" cy="783590"/>
           </a:xfrm>
           <a:prstGeom prst="rect">
@@ -8281,7 +8281,7 @@
         </p:nvSpPr>
         <p:spPr>
           <a:xfrm>
-            <a:off x="1669415" y="4890770"/>
+            <a:off x="2355215" y="4890770"/>
             <a:ext cx="3040380" cy="321945"/>
           </a:xfrm>
           <a:prstGeom prst="rect">
@@ -8331,7 +8331,7 @@
         </p:nvSpPr>
         <p:spPr>
           <a:xfrm>
-            <a:off x="5742940" y="4032250"/>
+            <a:off x="6065520" y="4032250"/>
             <a:ext cx="4069080" cy="321945"/>
           </a:xfrm>
           <a:prstGeom prst="rect">
@@ -8381,7 +8381,7 @@
         </p:nvSpPr>
         <p:spPr>
           <a:xfrm>
-            <a:off x="1669415" y="3345815"/>
+            <a:off x="2355215" y="3345815"/>
             <a:ext cx="1783080" cy="321945"/>
           </a:xfrm>
           <a:prstGeom prst="rect">
@@ -8431,7 +8431,7 @@
         </p:nvSpPr>
         <p:spPr>
           <a:xfrm>
-            <a:off x="5742940" y="2675890"/>
+            <a:off x="6065520" y="2675890"/>
             <a:ext cx="3611880" cy="783590"/>
           </a:xfrm>
           <a:prstGeom prst="rect">
@@ -9300,6 +9300,114 @@
           </a:prstGeom>
         </p:spPr>
       </p:pic>
+      <p:sp>
+        <p:nvSpPr>
+          <p:cNvPr id="4" name="Rounded Rectangular Callout 3"/>
+          <p:cNvSpPr/>
+          <p:nvPr/>
+        </p:nvSpPr>
+        <p:spPr>
+          <a:xfrm>
+            <a:off x="3874135" y="2200910"/>
+            <a:ext cx="2086610" cy="771525"/>
+          </a:xfrm>
+          <a:prstGeom prst="wedgeRoundRectCallout">
+            <a:avLst>
+              <a:gd name="adj1" fmla="val -20846"/>
+              <a:gd name="adj2" fmla="val 81275"/>
+              <a:gd name="adj3" fmla="val 16667"/>
+            </a:avLst>
+          </a:prstGeom>
+          <a:noFill/>
+          <a:ln w="12700">
+            <a:solidFill>
+              <a:schemeClr val="bg1"/>
+            </a:solidFill>
+          </a:ln>
+          <a:extLst>
+            <a:ext uri="{909E8E84-426E-40DD-AFC4-6F175D3DCCD1}">
+              <a14:hiddenFill xmlns:a14="http://schemas.microsoft.com/office/drawing/2010/main">
+                <a:solidFill>
+                  <a:schemeClr val="accent1"/>
+                </a:solidFill>
+              </a14:hiddenFill>
+            </a:ext>
+          </a:extLst>
+        </p:spPr>
+        <p:style>
+          <a:lnRef idx="2">
+            <a:schemeClr val="accent1">
+              <a:shade val="50000"/>
+            </a:schemeClr>
+          </a:lnRef>
+          <a:fillRef idx="1">
+            <a:schemeClr val="accent1"/>
+          </a:fillRef>
+          <a:effectRef idx="0">
+            <a:schemeClr val="accent1"/>
+          </a:effectRef>
+          <a:fontRef idx="minor">
+            <a:schemeClr val="lt1"/>
+          </a:fontRef>
+        </p:style>
+        <p:txBody>
+          <a:bodyPr rtlCol="0" anchor="ctr"/>
+          <a:p>
+            <a:pPr algn="ctr"/>
+            <a:endParaRPr lang="en-US"/>
+          </a:p>
+        </p:txBody>
+      </p:sp>
+      <p:sp>
+        <p:nvSpPr>
+          <p:cNvPr id="23" name="Text Box 22"/>
+          <p:cNvSpPr txBox="1"/>
+          <p:nvPr/>
+        </p:nvSpPr>
+        <p:spPr>
+          <a:xfrm>
+            <a:off x="4102100" y="2425700"/>
+            <a:ext cx="1668780" cy="321945"/>
+          </a:xfrm>
+          <a:prstGeom prst="rect">
+            <a:avLst/>
+          </a:prstGeom>
+          <a:noFill/>
+        </p:spPr>
+        <p:txBody>
+          <a:bodyPr wrap="none" rtlCol="0">
+            <a:spAutoFit/>
+          </a:bodyPr>
+          <a:p>
+            <a:pPr algn="l">
+              <a:lnSpc>
+                <a:spcPct val="100000"/>
+              </a:lnSpc>
+            </a:pPr>
+            <a:r>
+              <a:rPr lang="en-US" sz="1500">
+                <a:solidFill>
+                  <a:schemeClr val="bg1">
+                    <a:lumMod val="75000"/>
+                  </a:schemeClr>
+                </a:solidFill>
+                <a:latin typeface="JetBrains Mono NL Medium" panose="02000009000000000000" charset="0"/>
+                <a:cs typeface="JetBrains Mono NL Medium" panose="02000009000000000000" charset="0"/>
+              </a:rPr>
+              <a:t>Oh no! Again?</a:t>
+            </a:r>
+            <a:endParaRPr lang="en-US" sz="1500">
+              <a:solidFill>
+                <a:schemeClr val="bg1">
+                  <a:lumMod val="75000"/>
+                </a:schemeClr>
+              </a:solidFill>
+              <a:latin typeface="JetBrains Mono NL Medium" panose="02000009000000000000" charset="0"/>
+              <a:cs typeface="JetBrains Mono NL Medium" panose="02000009000000000000" charset="0"/>
+            </a:endParaRPr>
+          </a:p>
+        </p:txBody>
+      </p:sp>
     </p:spTree>
   </p:cSld>
   <p:clrMapOvr>
